--- a/public/images/car-parts.pptx
+++ b/public/images/car-parts.pptx
@@ -104,6 +104,11 @@
       </a:defRPr>
     </a:lvl9pPr>
   </p:defaultTextStyle>
+  <p:extLst>
+    <p:ext uri="{EFAFB233-063F-42B5-8137-9DF3F51BA10A}">
+      <p15:sldGuideLst xmlns:p15="http://schemas.microsoft.com/office/powerpoint/2012/main"/>
+    </p:ext>
+  </p:extLst>
 </p:presentation>
 </file>
 
@@ -256,7 +261,7 @@
           <a:p>
             <a:fld id="{8E091308-D8BE-4363-B21C-924CCEF2CF75}" type="datetimeFigureOut">
               <a:rPr lang="en-AU" smtClean="0"/>
-              <a:t>22/09/2019</a:t>
+              <a:t>28/09/2019</a:t>
             </a:fld>
             <a:endParaRPr lang="en-AU"/>
           </a:p>
@@ -456,7 +461,7 @@
           <a:p>
             <a:fld id="{8E091308-D8BE-4363-B21C-924CCEF2CF75}" type="datetimeFigureOut">
               <a:rPr lang="en-AU" smtClean="0"/>
-              <a:t>22/09/2019</a:t>
+              <a:t>28/09/2019</a:t>
             </a:fld>
             <a:endParaRPr lang="en-AU"/>
           </a:p>
@@ -666,7 +671,7 @@
           <a:p>
             <a:fld id="{8E091308-D8BE-4363-B21C-924CCEF2CF75}" type="datetimeFigureOut">
               <a:rPr lang="en-AU" smtClean="0"/>
-              <a:t>22/09/2019</a:t>
+              <a:t>28/09/2019</a:t>
             </a:fld>
             <a:endParaRPr lang="en-AU"/>
           </a:p>
@@ -866,7 +871,7 @@
           <a:p>
             <a:fld id="{8E091308-D8BE-4363-B21C-924CCEF2CF75}" type="datetimeFigureOut">
               <a:rPr lang="en-AU" smtClean="0"/>
-              <a:t>22/09/2019</a:t>
+              <a:t>28/09/2019</a:t>
             </a:fld>
             <a:endParaRPr lang="en-AU"/>
           </a:p>
@@ -1142,7 +1147,7 @@
           <a:p>
             <a:fld id="{8E091308-D8BE-4363-B21C-924CCEF2CF75}" type="datetimeFigureOut">
               <a:rPr lang="en-AU" smtClean="0"/>
-              <a:t>22/09/2019</a:t>
+              <a:t>28/09/2019</a:t>
             </a:fld>
             <a:endParaRPr lang="en-AU"/>
           </a:p>
@@ -1410,7 +1415,7 @@
           <a:p>
             <a:fld id="{8E091308-D8BE-4363-B21C-924CCEF2CF75}" type="datetimeFigureOut">
               <a:rPr lang="en-AU" smtClean="0"/>
-              <a:t>22/09/2019</a:t>
+              <a:t>28/09/2019</a:t>
             </a:fld>
             <a:endParaRPr lang="en-AU"/>
           </a:p>
@@ -1825,7 +1830,7 @@
           <a:p>
             <a:fld id="{8E091308-D8BE-4363-B21C-924CCEF2CF75}" type="datetimeFigureOut">
               <a:rPr lang="en-AU" smtClean="0"/>
-              <a:t>22/09/2019</a:t>
+              <a:t>28/09/2019</a:t>
             </a:fld>
             <a:endParaRPr lang="en-AU"/>
           </a:p>
@@ -1967,7 +1972,7 @@
           <a:p>
             <a:fld id="{8E091308-D8BE-4363-B21C-924CCEF2CF75}" type="datetimeFigureOut">
               <a:rPr lang="en-AU" smtClean="0"/>
-              <a:t>22/09/2019</a:t>
+              <a:t>28/09/2019</a:t>
             </a:fld>
             <a:endParaRPr lang="en-AU"/>
           </a:p>
@@ -2080,7 +2085,7 @@
           <a:p>
             <a:fld id="{8E091308-D8BE-4363-B21C-924CCEF2CF75}" type="datetimeFigureOut">
               <a:rPr lang="en-AU" smtClean="0"/>
-              <a:t>22/09/2019</a:t>
+              <a:t>28/09/2019</a:t>
             </a:fld>
             <a:endParaRPr lang="en-AU"/>
           </a:p>
@@ -2393,7 +2398,7 @@
           <a:p>
             <a:fld id="{8E091308-D8BE-4363-B21C-924CCEF2CF75}" type="datetimeFigureOut">
               <a:rPr lang="en-AU" smtClean="0"/>
-              <a:t>22/09/2019</a:t>
+              <a:t>28/09/2019</a:t>
             </a:fld>
             <a:endParaRPr lang="en-AU"/>
           </a:p>
@@ -2682,7 +2687,7 @@
           <a:p>
             <a:fld id="{8E091308-D8BE-4363-B21C-924CCEF2CF75}" type="datetimeFigureOut">
               <a:rPr lang="en-AU" smtClean="0"/>
-              <a:t>22/09/2019</a:t>
+              <a:t>28/09/2019</a:t>
             </a:fld>
             <a:endParaRPr lang="en-AU"/>
           </a:p>
@@ -2925,7 +2930,7 @@
           <a:p>
             <a:fld id="{8E091308-D8BE-4363-B21C-924CCEF2CF75}" type="datetimeFigureOut">
               <a:rPr lang="en-AU" smtClean="0"/>
-              <a:t>22/09/2019</a:t>
+              <a:t>28/09/2019</a:t>
             </a:fld>
             <a:endParaRPr lang="en-AU"/>
           </a:p>
@@ -5619,6 +5624,166 @@
           </a:p>
         </p:txBody>
       </p:sp>
+      <p:sp>
+        <p:nvSpPr>
+          <p:cNvPr id="64" name="Oval 63">
+            <a:extLst>
+              <a:ext uri="{FF2B5EF4-FFF2-40B4-BE49-F238E27FC236}">
+                <a16:creationId xmlns:a16="http://schemas.microsoft.com/office/drawing/2014/main" id="{AFBC8667-F9C9-4146-8F72-051E9ED9C2D8}"/>
+              </a:ext>
+            </a:extLst>
+          </p:cNvPr>
+          <p:cNvSpPr/>
+          <p:nvPr/>
+        </p:nvSpPr>
+        <p:spPr>
+          <a:xfrm>
+            <a:off x="4918322" y="3227066"/>
+            <a:ext cx="127847" cy="128132"/>
+          </a:xfrm>
+          <a:prstGeom prst="ellipse">
+            <a:avLst/>
+          </a:prstGeom>
+          <a:noFill/>
+          <a:ln w="28575">
+            <a:solidFill>
+              <a:schemeClr val="accent6">
+                <a:lumMod val="50000"/>
+              </a:schemeClr>
+            </a:solidFill>
+          </a:ln>
+        </p:spPr>
+        <p:style>
+          <a:lnRef idx="2">
+            <a:schemeClr val="accent1">
+              <a:shade val="50000"/>
+            </a:schemeClr>
+          </a:lnRef>
+          <a:fillRef idx="1">
+            <a:schemeClr val="accent1"/>
+          </a:fillRef>
+          <a:effectRef idx="0">
+            <a:schemeClr val="accent1"/>
+          </a:effectRef>
+          <a:fontRef idx="minor">
+            <a:schemeClr val="lt1"/>
+          </a:fontRef>
+        </p:style>
+        <p:txBody>
+          <a:bodyPr rtlCol="0" anchor="ctr"/>
+          <a:lstStyle/>
+          <a:p>
+            <a:pPr algn="ctr"/>
+            <a:endParaRPr lang="en-AU"/>
+          </a:p>
+        </p:txBody>
+      </p:sp>
+      <p:cxnSp>
+        <p:nvCxnSpPr>
+          <p:cNvPr id="65" name="Straight Connector 64">
+            <a:extLst>
+              <a:ext uri="{FF2B5EF4-FFF2-40B4-BE49-F238E27FC236}">
+                <a16:creationId xmlns:a16="http://schemas.microsoft.com/office/drawing/2014/main" id="{B716ACBA-9325-4FBA-B3AF-EC7F3131C797}"/>
+              </a:ext>
+            </a:extLst>
+          </p:cNvPr>
+          <p:cNvCxnSpPr>
+            <a:cxnSpLocks/>
+          </p:cNvCxnSpPr>
+          <p:nvPr/>
+        </p:nvCxnSpPr>
+        <p:spPr>
+          <a:xfrm flipV="1">
+            <a:off x="3530302" y="3342873"/>
+            <a:ext cx="1412181" cy="1696548"/>
+          </a:xfrm>
+          <a:prstGeom prst="line">
+            <a:avLst/>
+          </a:prstGeom>
+          <a:ln w="38100">
+            <a:solidFill>
+              <a:schemeClr val="accent6">
+                <a:lumMod val="50000"/>
+              </a:schemeClr>
+            </a:solidFill>
+          </a:ln>
+        </p:spPr>
+        <p:style>
+          <a:lnRef idx="1">
+            <a:schemeClr val="accent1"/>
+          </a:lnRef>
+          <a:fillRef idx="0">
+            <a:schemeClr val="accent1"/>
+          </a:fillRef>
+          <a:effectRef idx="0">
+            <a:schemeClr val="accent1"/>
+          </a:effectRef>
+          <a:fontRef idx="minor">
+            <a:schemeClr val="tx1"/>
+          </a:fontRef>
+        </p:style>
+      </p:cxnSp>
+      <p:sp>
+        <p:nvSpPr>
+          <p:cNvPr id="66" name="Rectangle: Rounded Corners 65">
+            <a:extLst>
+              <a:ext uri="{FF2B5EF4-FFF2-40B4-BE49-F238E27FC236}">
+                <a16:creationId xmlns:a16="http://schemas.microsoft.com/office/drawing/2014/main" id="{19A764E6-6C6F-43BE-BB60-DECADF73A612}"/>
+              </a:ext>
+            </a:extLst>
+          </p:cNvPr>
+          <p:cNvSpPr/>
+          <p:nvPr/>
+        </p:nvSpPr>
+        <p:spPr>
+          <a:xfrm>
+            <a:off x="2300289" y="5001356"/>
+            <a:ext cx="1310616" cy="311266"/>
+          </a:xfrm>
+          <a:prstGeom prst="roundRect">
+            <a:avLst/>
+          </a:prstGeom>
+          <a:solidFill>
+            <a:schemeClr val="accent6">
+              <a:lumMod val="50000"/>
+            </a:schemeClr>
+          </a:solidFill>
+          <a:ln>
+            <a:solidFill>
+              <a:schemeClr val="accent6">
+                <a:lumMod val="50000"/>
+              </a:schemeClr>
+            </a:solidFill>
+          </a:ln>
+        </p:spPr>
+        <p:style>
+          <a:lnRef idx="2">
+            <a:schemeClr val="accent1">
+              <a:shade val="50000"/>
+            </a:schemeClr>
+          </a:lnRef>
+          <a:fillRef idx="1">
+            <a:schemeClr val="accent1"/>
+          </a:fillRef>
+          <a:effectRef idx="0">
+            <a:schemeClr val="accent1"/>
+          </a:effectRef>
+          <a:fontRef idx="minor">
+            <a:schemeClr val="lt1"/>
+          </a:fontRef>
+        </p:style>
+        <p:txBody>
+          <a:bodyPr rtlCol="0" anchor="ctr"/>
+          <a:lstStyle/>
+          <a:p>
+            <a:pPr algn="ctr"/>
+            <a:r>
+              <a:rPr lang="en-AU" sz="1200" b="1" dirty="0"/>
+              <a:t>POWER STEERING FLUID</a:t>
+            </a:r>
+          </a:p>
+        </p:txBody>
+      </p:sp>
     </p:spTree>
     <p:extLst>
       <p:ext uri="{BB962C8B-B14F-4D97-AF65-F5344CB8AC3E}">
